--- a/.lessons/0 What is Laravel & Laragon/2 laravel.pptx
+++ b/.lessons/0 What is Laravel & Laragon/2 laravel.pptx
@@ -3389,7 +3389,7 @@
         <p:spPr>
           <a:xfrm>
             <a:off x="214604" y="329691"/>
-            <a:ext cx="11756571" cy="5093702"/>
+            <a:ext cx="11756571" cy="5293757"/>
           </a:xfrm>
           <a:prstGeom prst="rect">
             <a:avLst/>
@@ -3823,6 +3823,44 @@
               </a:rPr>
               <a:t>❌ NƏ TƏƏSSÜF Kİ YOXDUR:</a:t>
             </a:r>
+            <a:endParaRPr kumimoji="0" lang="az-Latn-AZ" altLang="en-US" sz="1300" b="1" i="0" u="none" strike="noStrike" cap="none" normalizeH="0" baseline="0">
+              <a:ln>
+                <a:noFill/>
+              </a:ln>
+              <a:solidFill>
+                <a:schemeClr val="tx1"/>
+              </a:solidFill>
+              <a:effectLst/>
+              <a:latin typeface="Arial" panose="020B0604020202020204" pitchFamily="34" charset="0"/>
+            </a:endParaRPr>
+          </a:p>
+          <a:p>
+            <a:pPr marL="0" marR="0" lvl="0" indent="0" algn="l" defTabSz="914400" rtl="0" eaLnBrk="0" fontAlgn="base" latinLnBrk="0" hangingPunct="0">
+              <a:lnSpc>
+                <a:spcPct val="100000"/>
+              </a:lnSpc>
+              <a:spcBef>
+                <a:spcPct val="0"/>
+              </a:spcBef>
+              <a:spcAft>
+                <a:spcPct val="0"/>
+              </a:spcAft>
+              <a:buClrTx/>
+              <a:buSzTx/>
+              <a:buFontTx/>
+              <a:buNone/>
+              <a:tabLst/>
+            </a:pPr>
+            <a:endParaRPr kumimoji="0" lang="en-US" altLang="en-US" sz="1300" b="1" i="0" u="none" strike="noStrike" cap="none" normalizeH="0" baseline="0">
+              <a:ln>
+                <a:noFill/>
+              </a:ln>
+              <a:solidFill>
+                <a:schemeClr val="tx1"/>
+              </a:solidFill>
+              <a:effectLst/>
+              <a:latin typeface="Arial" panose="020B0604020202020204" pitchFamily="34" charset="0"/>
+            </a:endParaRPr>
           </a:p>
           <a:p>
             <a:pPr marL="0" marR="0" lvl="0" indent="0" algn="l" defTabSz="914400" rtl="0" eaLnBrk="0" fontAlgn="base" latinLnBrk="0" hangingPunct="0">
